--- a/docs/最终汇报.pptx
+++ b/docs/最终汇报.pptx
@@ -6334,8 +6334,8 @@
         </p:nvSpPr>
         <p:spPr>
           <a:xfrm>
-            <a:off x="2815590" y="1979930"/>
-            <a:ext cx="6561455" cy="3969385"/>
+            <a:off x="2815590" y="1807210"/>
+            <a:ext cx="6561455" cy="4523105"/>
           </a:xfrm>
           <a:prstGeom prst="rect">
             <a:avLst/>
@@ -6381,6 +6381,20 @@
             <a:r>
               <a:rPr lang="zh-CN" altLang="en-US"/>
               <a:t>②uView1.8组件库，使用其提供的组件，提升开发效率，提高页面美观度。</a:t>
+            </a:r>
+            <a:endParaRPr lang="zh-CN" altLang="en-US"/>
+          </a:p>
+          <a:p>
+            <a:r>
+              <a:rPr lang="zh-CN" altLang="en-US"/>
+              <a:t>③使用uniapp提供的uni.request方法调用api</a:t>
+            </a:r>
+            <a:endParaRPr lang="zh-CN" altLang="en-US"/>
+          </a:p>
+          <a:p>
+            <a:r>
+              <a:rPr lang="zh-CN" altLang="en-US"/>
+              <a:t>④使用uniapp提供的storage存储本地用户缓存。</a:t>
             </a:r>
             <a:endParaRPr lang="zh-CN" altLang="en-US"/>
           </a:p>
